--- a/slides/00.Good Morning.pptx
+++ b/slides/00.Good Morning.pptx
@@ -291,7 +291,7 @@
             <a:fld id="{1D8BD707-D9CF-40AE-B4C6-C98DA3205C09}" type="datetimeFigureOut">
               <a:rPr lang="en-US" smtClean="0"/>
               <a:pPr/>
-              <a:t>8/29/2019</a:t>
+              <a:t>9/4/2019</a:t>
             </a:fld>
             <a:endParaRPr lang="en-US"/>
           </a:p>
@@ -458,7 +458,7 @@
             <a:fld id="{1D8BD707-D9CF-40AE-B4C6-C98DA3205C09}" type="datetimeFigureOut">
               <a:rPr lang="en-US" smtClean="0"/>
               <a:pPr/>
-              <a:t>8/29/2019</a:t>
+              <a:t>9/4/2019</a:t>
             </a:fld>
             <a:endParaRPr lang="en-US"/>
           </a:p>
@@ -635,7 +635,7 @@
             <a:fld id="{1D8BD707-D9CF-40AE-B4C6-C98DA3205C09}" type="datetimeFigureOut">
               <a:rPr lang="en-US" smtClean="0"/>
               <a:pPr/>
-              <a:t>8/29/2019</a:t>
+              <a:t>9/4/2019</a:t>
             </a:fld>
             <a:endParaRPr lang="en-US"/>
           </a:p>
@@ -802,7 +802,7 @@
             <a:fld id="{1D8BD707-D9CF-40AE-B4C6-C98DA3205C09}" type="datetimeFigureOut">
               <a:rPr lang="en-US" smtClean="0"/>
               <a:pPr/>
-              <a:t>8/29/2019</a:t>
+              <a:t>9/4/2019</a:t>
             </a:fld>
             <a:endParaRPr lang="en-US"/>
           </a:p>
@@ -1045,7 +1045,7 @@
             <a:fld id="{1D8BD707-D9CF-40AE-B4C6-C98DA3205C09}" type="datetimeFigureOut">
               <a:rPr lang="en-US" smtClean="0"/>
               <a:pPr/>
-              <a:t>8/29/2019</a:t>
+              <a:t>9/4/2019</a:t>
             </a:fld>
             <a:endParaRPr lang="en-US"/>
           </a:p>
@@ -1330,7 +1330,7 @@
             <a:fld id="{1D8BD707-D9CF-40AE-B4C6-C98DA3205C09}" type="datetimeFigureOut">
               <a:rPr lang="en-US" smtClean="0"/>
               <a:pPr/>
-              <a:t>8/29/2019</a:t>
+              <a:t>9/4/2019</a:t>
             </a:fld>
             <a:endParaRPr lang="en-US"/>
           </a:p>
@@ -1749,7 +1749,7 @@
             <a:fld id="{1D8BD707-D9CF-40AE-B4C6-C98DA3205C09}" type="datetimeFigureOut">
               <a:rPr lang="en-US" smtClean="0"/>
               <a:pPr/>
-              <a:t>8/29/2019</a:t>
+              <a:t>9/4/2019</a:t>
             </a:fld>
             <a:endParaRPr lang="en-US"/>
           </a:p>
@@ -1864,7 +1864,7 @@
             <a:fld id="{1D8BD707-D9CF-40AE-B4C6-C98DA3205C09}" type="datetimeFigureOut">
               <a:rPr lang="en-US" smtClean="0"/>
               <a:pPr/>
-              <a:t>8/29/2019</a:t>
+              <a:t>9/4/2019</a:t>
             </a:fld>
             <a:endParaRPr lang="en-US"/>
           </a:p>
@@ -1956,7 +1956,7 @@
             <a:fld id="{1D8BD707-D9CF-40AE-B4C6-C98DA3205C09}" type="datetimeFigureOut">
               <a:rPr lang="en-US" smtClean="0"/>
               <a:pPr/>
-              <a:t>8/29/2019</a:t>
+              <a:t>9/4/2019</a:t>
             </a:fld>
             <a:endParaRPr lang="en-US"/>
           </a:p>
@@ -2230,7 +2230,7 @@
             <a:fld id="{1D8BD707-D9CF-40AE-B4C6-C98DA3205C09}" type="datetimeFigureOut">
               <a:rPr lang="en-US" smtClean="0"/>
               <a:pPr/>
-              <a:t>8/29/2019</a:t>
+              <a:t>9/4/2019</a:t>
             </a:fld>
             <a:endParaRPr lang="en-US"/>
           </a:p>
@@ -2480,7 +2480,7 @@
             <a:fld id="{1D8BD707-D9CF-40AE-B4C6-C98DA3205C09}" type="datetimeFigureOut">
               <a:rPr lang="en-US" smtClean="0"/>
               <a:pPr/>
-              <a:t>8/29/2019</a:t>
+              <a:t>9/4/2019</a:t>
             </a:fld>
             <a:endParaRPr lang="en-US"/>
           </a:p>
@@ -2690,7 +2690,7 @@
             <a:fld id="{1D8BD707-D9CF-40AE-B4C6-C98DA3205C09}" type="datetimeFigureOut">
               <a:rPr lang="en-US" smtClean="0"/>
               <a:pPr/>
-              <a:t>8/29/2019</a:t>
+              <a:t>9/4/2019</a:t>
             </a:fld>
             <a:endParaRPr lang="en-US"/>
           </a:p>
@@ -3198,22 +3198,6 @@
               <a:rPr lang="en-US" dirty="0" err="1" smtClean="0"/>
               <a:t>Kuang</a:t>
             </a:r>
-            <a:r>
-              <a:rPr lang="en-US" dirty="0" smtClean="0"/>
-              <a:t> (</a:t>
-            </a:r>
-            <a:r>
-              <a:rPr lang="zh-CN" altLang="en-US" dirty="0"/>
-              <a:t>叶成</a:t>
-            </a:r>
-            <a:r>
-              <a:rPr lang="zh-CN" altLang="en-US" dirty="0" smtClean="0"/>
-              <a:t>光</a:t>
-            </a:r>
-            <a:r>
-              <a:rPr lang="en-US" altLang="zh-CN" dirty="0" smtClean="0"/>
-              <a:t>)</a:t>
-            </a:r>
             <a:endParaRPr lang="en-MY" dirty="0"/>
           </a:p>
         </p:txBody>
@@ -3286,6 +3270,22 @@
           <a:bodyPr/>
           <a:lstStyle/>
           <a:p>
+            <a:r>
+              <a:rPr lang="en-US" dirty="0" smtClean="0"/>
+              <a:t>Name </a:t>
+            </a:r>
+          </a:p>
+          <a:p>
+            <a:r>
+              <a:rPr lang="en-US" dirty="0" smtClean="0"/>
+              <a:t>Major</a:t>
+            </a:r>
+          </a:p>
+          <a:p>
+            <a:r>
+              <a:rPr lang="en-US" smtClean="0"/>
+              <a:t>Years</a:t>
+            </a:r>
             <a:endParaRPr lang="en-MY"/>
           </a:p>
         </p:txBody>

--- a/slides/00.Good Morning.pptx
+++ b/slides/00.Good Morning.pptx
@@ -291,7 +291,7 @@
             <a:fld id="{1D8BD707-D9CF-40AE-B4C6-C98DA3205C09}" type="datetimeFigureOut">
               <a:rPr lang="en-US" smtClean="0"/>
               <a:pPr/>
-              <a:t>9/4/2019</a:t>
+              <a:t>9/5/2019</a:t>
             </a:fld>
             <a:endParaRPr lang="en-US"/>
           </a:p>
@@ -458,7 +458,7 @@
             <a:fld id="{1D8BD707-D9CF-40AE-B4C6-C98DA3205C09}" type="datetimeFigureOut">
               <a:rPr lang="en-US" smtClean="0"/>
               <a:pPr/>
-              <a:t>9/4/2019</a:t>
+              <a:t>9/5/2019</a:t>
             </a:fld>
             <a:endParaRPr lang="en-US"/>
           </a:p>
@@ -635,7 +635,7 @@
             <a:fld id="{1D8BD707-D9CF-40AE-B4C6-C98DA3205C09}" type="datetimeFigureOut">
               <a:rPr lang="en-US" smtClean="0"/>
               <a:pPr/>
-              <a:t>9/4/2019</a:t>
+              <a:t>9/5/2019</a:t>
             </a:fld>
             <a:endParaRPr lang="en-US"/>
           </a:p>
@@ -802,7 +802,7 @@
             <a:fld id="{1D8BD707-D9CF-40AE-B4C6-C98DA3205C09}" type="datetimeFigureOut">
               <a:rPr lang="en-US" smtClean="0"/>
               <a:pPr/>
-              <a:t>9/4/2019</a:t>
+              <a:t>9/5/2019</a:t>
             </a:fld>
             <a:endParaRPr lang="en-US"/>
           </a:p>
@@ -1045,7 +1045,7 @@
             <a:fld id="{1D8BD707-D9CF-40AE-B4C6-C98DA3205C09}" type="datetimeFigureOut">
               <a:rPr lang="en-US" smtClean="0"/>
               <a:pPr/>
-              <a:t>9/4/2019</a:t>
+              <a:t>9/5/2019</a:t>
             </a:fld>
             <a:endParaRPr lang="en-US"/>
           </a:p>
@@ -1330,7 +1330,7 @@
             <a:fld id="{1D8BD707-D9CF-40AE-B4C6-C98DA3205C09}" type="datetimeFigureOut">
               <a:rPr lang="en-US" smtClean="0"/>
               <a:pPr/>
-              <a:t>9/4/2019</a:t>
+              <a:t>9/5/2019</a:t>
             </a:fld>
             <a:endParaRPr lang="en-US"/>
           </a:p>
@@ -1749,7 +1749,7 @@
             <a:fld id="{1D8BD707-D9CF-40AE-B4C6-C98DA3205C09}" type="datetimeFigureOut">
               <a:rPr lang="en-US" smtClean="0"/>
               <a:pPr/>
-              <a:t>9/4/2019</a:t>
+              <a:t>9/5/2019</a:t>
             </a:fld>
             <a:endParaRPr lang="en-US"/>
           </a:p>
@@ -1864,7 +1864,7 @@
             <a:fld id="{1D8BD707-D9CF-40AE-B4C6-C98DA3205C09}" type="datetimeFigureOut">
               <a:rPr lang="en-US" smtClean="0"/>
               <a:pPr/>
-              <a:t>9/4/2019</a:t>
+              <a:t>9/5/2019</a:t>
             </a:fld>
             <a:endParaRPr lang="en-US"/>
           </a:p>
@@ -1956,7 +1956,7 @@
             <a:fld id="{1D8BD707-D9CF-40AE-B4C6-C98DA3205C09}" type="datetimeFigureOut">
               <a:rPr lang="en-US" smtClean="0"/>
               <a:pPr/>
-              <a:t>9/4/2019</a:t>
+              <a:t>9/5/2019</a:t>
             </a:fld>
             <a:endParaRPr lang="en-US"/>
           </a:p>
@@ -2230,7 +2230,7 @@
             <a:fld id="{1D8BD707-D9CF-40AE-B4C6-C98DA3205C09}" type="datetimeFigureOut">
               <a:rPr lang="en-US" smtClean="0"/>
               <a:pPr/>
-              <a:t>9/4/2019</a:t>
+              <a:t>9/5/2019</a:t>
             </a:fld>
             <a:endParaRPr lang="en-US"/>
           </a:p>
@@ -2480,7 +2480,7 @@
             <a:fld id="{1D8BD707-D9CF-40AE-B4C6-C98DA3205C09}" type="datetimeFigureOut">
               <a:rPr lang="en-US" smtClean="0"/>
               <a:pPr/>
-              <a:t>9/4/2019</a:t>
+              <a:t>9/5/2019</a:t>
             </a:fld>
             <a:endParaRPr lang="en-US"/>
           </a:p>
@@ -2690,7 +2690,7 @@
             <a:fld id="{1D8BD707-D9CF-40AE-B4C6-C98DA3205C09}" type="datetimeFigureOut">
               <a:rPr lang="en-US" smtClean="0"/>
               <a:pPr/>
-              <a:t>9/4/2019</a:t>
+              <a:t>9/5/2019</a:t>
             </a:fld>
             <a:endParaRPr lang="en-US"/>
           </a:p>
@@ -3283,8 +3283,18 @@
           </a:p>
           <a:p>
             <a:r>
-              <a:rPr lang="en-US" smtClean="0"/>
+              <a:rPr lang="en-US" dirty="0" smtClean="0"/>
               <a:t>Years</a:t>
+            </a:r>
+          </a:p>
+          <a:p>
+            <a:r>
+              <a:rPr lang="en-US" dirty="0" smtClean="0"/>
+              <a:t>Experience </a:t>
+            </a:r>
+            <a:r>
+              <a:rPr lang="en-US" smtClean="0"/>
+              <a:t>in coding</a:t>
             </a:r>
             <a:endParaRPr lang="en-MY"/>
           </a:p>
